--- a/Presentation.pptx
+++ b/Presentation.pptx
@@ -3823,7 +3823,7 @@
 <dgm:dataModel xmlns:dgm="http://schemas.openxmlformats.org/drawingml/2006/diagram" xmlns:a="http://schemas.openxmlformats.org/drawingml/2006/main">
   <dgm:ptLst>
     <dgm:pt modelId="{6120ABAB-A7A6-45B3-A307-DB0FE9F687AC}" type="doc">
-      <dgm:prSet loTypeId="urn:microsoft.com/office/officeart/2005/8/layout/chevron1" loCatId="process" qsTypeId="urn:microsoft.com/office/officeart/2005/8/quickstyle/simple5" qsCatId="simple" csTypeId="urn:microsoft.com/office/officeart/2005/8/colors/ColorSchemeForSuggestions" csCatId="other"/>
+      <dgm:prSet loTypeId="urn:microsoft.com/office/officeart/2005/8/layout/chevron1" loCatId="process" qsTypeId="urn:microsoft.com/office/officeart/2005/8/quickstyle/simple5" qsCatId="simple" csTypeId="urn:microsoft.com/office/officeart/2005/8/colors/ColorSchemeForSuggestions" csCatId="other" phldr="1"/>
       <dgm:spPr/>
       <dgm:t>
         <a:bodyPr/>
@@ -3877,8 +3877,8 @@
         <a:lstStyle/>
         <a:p>
           <a:r>
-            <a:rPr lang="en-US"/>
-            <a:t>Discover Wakanda -&gt; find organizations that are owned/operated by Black people to support their cause</a:t>
+            <a:rPr lang="en-US" dirty="0"/>
+            <a:t>Discover Wakanda: find organizations that are owned/operated by Black people to support their cause</a:t>
           </a:r>
         </a:p>
       </dgm:t>
@@ -4174,7 +4174,7 @@
 <dgm:dataModel xmlns:dgm="http://schemas.openxmlformats.org/drawingml/2006/diagram" xmlns:a="http://schemas.openxmlformats.org/drawingml/2006/main">
   <dgm:ptLst>
     <dgm:pt modelId="{75B91FDF-2EF8-448F-993E-0324AE846C4C}" type="doc">
-      <dgm:prSet loTypeId="urn:microsoft.com/office/officeart/2005/8/layout/process4" loCatId="process" qsTypeId="urn:microsoft.com/office/officeart/2005/8/quickstyle/simple1" qsCatId="simple" csTypeId="urn:microsoft.com/office/officeart/2005/8/colors/ColorSchemeForSuggestions" csCatId="other"/>
+      <dgm:prSet loTypeId="urn:microsoft.com/office/officeart/2005/8/layout/process4" loCatId="process" qsTypeId="urn:microsoft.com/office/officeart/2005/8/quickstyle/simple1" qsCatId="simple" csTypeId="urn:microsoft.com/office/officeart/2005/8/colors/ColorSchemeForSuggestions" csCatId="other" phldr="1"/>
       <dgm:spPr/>
       <dgm:t>
         <a:bodyPr/>
@@ -4192,7 +4192,7 @@
         <a:lstStyle/>
         <a:p>
           <a:r>
-            <a:rPr lang="en-US"/>
+            <a:rPr lang="en-US" dirty="0"/>
             <a:t>Full Rating System</a:t>
           </a:r>
         </a:p>
@@ -4228,7 +4228,7 @@
         <a:lstStyle/>
         <a:p>
           <a:r>
-            <a:rPr lang="en-US"/>
+            <a:rPr lang="en-US" dirty="0"/>
             <a:t>Tracking Business page traffic</a:t>
           </a:r>
         </a:p>
@@ -4264,7 +4264,7 @@
         <a:lstStyle/>
         <a:p>
           <a:r>
-            <a:rPr lang="en-US"/>
+            <a:rPr lang="en-US" dirty="0"/>
             <a:t>Paid Ad placements</a:t>
           </a:r>
         </a:p>
@@ -4300,7 +4300,7 @@
         <a:lstStyle/>
         <a:p>
           <a:r>
-            <a:rPr lang="en-US"/>
+            <a:rPr lang="en-US" dirty="0"/>
             <a:t>Create new Business listings on the Platform</a:t>
           </a:r>
         </a:p>
@@ -4336,7 +4336,7 @@
         <a:lstStyle/>
         <a:p>
           <a:r>
-            <a:rPr lang="en-US"/>
+            <a:rPr lang="en-US" dirty="0"/>
             <a:t>Info section about business owner and business history</a:t>
           </a:r>
         </a:p>
@@ -4372,7 +4372,7 @@
         <a:lstStyle/>
         <a:p>
           <a:r>
-            <a:rPr lang="en-US"/>
+            <a:rPr lang="en-US" dirty="0"/>
             <a:t>Tracking User Data (Favorite Activities &amp; Businesses)</a:t>
           </a:r>
         </a:p>
@@ -4400,39 +4400,6 @@
         </a:p>
       </dgm:t>
     </dgm:pt>
-    <dgm:pt modelId="{71531C65-C5E0-48DF-BEF6-EA62F9C98426}">
-      <dgm:prSet/>
-      <dgm:spPr/>
-      <dgm:t>
-        <a:bodyPr/>
-        <a:lstStyle/>
-        <a:p>
-          <a:endParaRPr lang="en-US"/>
-        </a:p>
-      </dgm:t>
-    </dgm:pt>
-    <dgm:pt modelId="{23C9A7B3-9CA6-4A1C-A9B3-CFE31AC1B149}" type="parTrans" cxnId="{2EA6551C-89BC-4A5E-A719-15E7B1C75D02}">
-      <dgm:prSet/>
-      <dgm:spPr/>
-      <dgm:t>
-        <a:bodyPr/>
-        <a:lstStyle/>
-        <a:p>
-          <a:endParaRPr lang="en-US"/>
-        </a:p>
-      </dgm:t>
-    </dgm:pt>
-    <dgm:pt modelId="{0051E711-F9ED-4A40-A2FA-825ECAA8EB82}" type="sibTrans" cxnId="{2EA6551C-89BC-4A5E-A719-15E7B1C75D02}">
-      <dgm:prSet/>
-      <dgm:spPr/>
-      <dgm:t>
-        <a:bodyPr/>
-        <a:lstStyle/>
-        <a:p>
-          <a:endParaRPr lang="en-US"/>
-        </a:p>
-      </dgm:t>
-    </dgm:pt>
     <dgm:pt modelId="{A9FD18F4-B15D-462A-8B1C-56D60AFB20C5}" type="pres">
       <dgm:prSet presAssocID="{75B91FDF-2EF8-448F-993E-0324AE846C4C}" presName="Name0" presStyleCnt="0">
         <dgm:presLayoutVars>
@@ -4443,24 +4410,12 @@
       </dgm:prSet>
       <dgm:spPr/>
     </dgm:pt>
-    <dgm:pt modelId="{C6ACA489-9263-41BD-96BE-4732FA77F799}" type="pres">
-      <dgm:prSet presAssocID="{71531C65-C5E0-48DF-BEF6-EA62F9C98426}" presName="boxAndChildren" presStyleCnt="0"/>
+    <dgm:pt modelId="{FDFD95FA-15B8-4D33-8479-0872DC0A4178}" type="pres">
+      <dgm:prSet presAssocID="{4E0E9A3A-20D7-4684-B140-95AD8A2631EE}" presName="boxAndChildren" presStyleCnt="0"/>
       <dgm:spPr/>
     </dgm:pt>
-    <dgm:pt modelId="{40EDC88F-8E3B-401F-8318-3C4D8B7CF1B0}" type="pres">
-      <dgm:prSet presAssocID="{71531C65-C5E0-48DF-BEF6-EA62F9C98426}" presName="parentTextBox" presStyleLbl="node1" presStyleIdx="0" presStyleCnt="7"/>
-      <dgm:spPr/>
-    </dgm:pt>
-    <dgm:pt modelId="{4BCD879A-791A-4997-A7E4-5D9D65BA6936}" type="pres">
-      <dgm:prSet presAssocID="{5D5395C4-A07C-4CA4-B959-620D9587D18F}" presName="sp" presStyleCnt="0"/>
-      <dgm:spPr/>
-    </dgm:pt>
-    <dgm:pt modelId="{E2833753-E8D7-4CB2-80E6-0AB3758D2B2B}" type="pres">
-      <dgm:prSet presAssocID="{4E0E9A3A-20D7-4684-B140-95AD8A2631EE}" presName="arrowAndChildren" presStyleCnt="0"/>
-      <dgm:spPr/>
-    </dgm:pt>
-    <dgm:pt modelId="{9B1E7DD0-8524-4A6E-A676-DC9ACB601078}" type="pres">
-      <dgm:prSet presAssocID="{4E0E9A3A-20D7-4684-B140-95AD8A2631EE}" presName="parentTextArrow" presStyleLbl="node1" presStyleIdx="1" presStyleCnt="7"/>
+    <dgm:pt modelId="{EA9F5DC6-01F1-42B4-A5A0-284058E7AA1C}" type="pres">
+      <dgm:prSet presAssocID="{4E0E9A3A-20D7-4684-B140-95AD8A2631EE}" presName="parentTextBox" presStyleLbl="node1" presStyleIdx="0" presStyleCnt="6"/>
       <dgm:spPr/>
     </dgm:pt>
     <dgm:pt modelId="{A1E86BE6-E64B-49A4-A7A2-85836265BDF0}" type="pres">
@@ -4472,7 +4427,7 @@
       <dgm:spPr/>
     </dgm:pt>
     <dgm:pt modelId="{34AD3F79-365D-4852-A67F-67B76E61899F}" type="pres">
-      <dgm:prSet presAssocID="{48382C32-CDCB-4037-8C0E-4369EDFB170F}" presName="parentTextArrow" presStyleLbl="node1" presStyleIdx="2" presStyleCnt="7"/>
+      <dgm:prSet presAssocID="{48382C32-CDCB-4037-8C0E-4369EDFB170F}" presName="parentTextArrow" presStyleLbl="node1" presStyleIdx="1" presStyleCnt="6"/>
       <dgm:spPr/>
     </dgm:pt>
     <dgm:pt modelId="{49F21591-E11D-4D2A-B9CB-73F70F0B4EC2}" type="pres">
@@ -4484,7 +4439,7 @@
       <dgm:spPr/>
     </dgm:pt>
     <dgm:pt modelId="{6D16D2F6-12B8-4C15-A147-798F73273CC1}" type="pres">
-      <dgm:prSet presAssocID="{310C9FD7-AEBF-4C26-87C9-C064723621B0}" presName="parentTextArrow" presStyleLbl="node1" presStyleIdx="3" presStyleCnt="7"/>
+      <dgm:prSet presAssocID="{310C9FD7-AEBF-4C26-87C9-C064723621B0}" presName="parentTextArrow" presStyleLbl="node1" presStyleIdx="2" presStyleCnt="6"/>
       <dgm:spPr/>
     </dgm:pt>
     <dgm:pt modelId="{B48B23FA-9D00-4565-AA36-8B033551C849}" type="pres">
@@ -4496,7 +4451,7 @@
       <dgm:spPr/>
     </dgm:pt>
     <dgm:pt modelId="{63838447-2CD6-46BB-B81F-F445CDC36DC2}" type="pres">
-      <dgm:prSet presAssocID="{06D4AFDF-E3F2-4EE9-A721-F19EE3C33C65}" presName="parentTextArrow" presStyleLbl="node1" presStyleIdx="4" presStyleCnt="7"/>
+      <dgm:prSet presAssocID="{06D4AFDF-E3F2-4EE9-A721-F19EE3C33C65}" presName="parentTextArrow" presStyleLbl="node1" presStyleIdx="3" presStyleCnt="6"/>
       <dgm:spPr/>
     </dgm:pt>
     <dgm:pt modelId="{7C7740A3-1FDA-4BEE-B22D-1356F645BB7E}" type="pres">
@@ -4508,7 +4463,7 @@
       <dgm:spPr/>
     </dgm:pt>
     <dgm:pt modelId="{BFEC6255-2F1C-45DE-9986-73BCD974598D}" type="pres">
-      <dgm:prSet presAssocID="{2B583821-2DAB-45E1-8CC9-C23927358406}" presName="parentTextArrow" presStyleLbl="node1" presStyleIdx="5" presStyleCnt="7"/>
+      <dgm:prSet presAssocID="{2B583821-2DAB-45E1-8CC9-C23927358406}" presName="parentTextArrow" presStyleLbl="node1" presStyleIdx="4" presStyleCnt="6"/>
       <dgm:spPr/>
     </dgm:pt>
     <dgm:pt modelId="{2CE240E6-04D0-4723-A86A-3F93A6F95DF9}" type="pres">
@@ -4520,15 +4475,12 @@
       <dgm:spPr/>
     </dgm:pt>
     <dgm:pt modelId="{A040333B-0ED8-47A8-8E62-359DB5A0C7DF}" type="pres">
-      <dgm:prSet presAssocID="{EC45CE07-94EE-427C-AEDF-43934349AE4D}" presName="parentTextArrow" presStyleLbl="node1" presStyleIdx="6" presStyleCnt="7"/>
+      <dgm:prSet presAssocID="{EC45CE07-94EE-427C-AEDF-43934349AE4D}" presName="parentTextArrow" presStyleLbl="node1" presStyleIdx="5" presStyleCnt="6"/>
       <dgm:spPr/>
     </dgm:pt>
   </dgm:ptLst>
   <dgm:cxnLst>
-    <dgm:cxn modelId="{2EA6551C-89BC-4A5E-A719-15E7B1C75D02}" srcId="{75B91FDF-2EF8-448F-993E-0324AE846C4C}" destId="{71531C65-C5E0-48DF-BEF6-EA62F9C98426}" srcOrd="6" destOrd="0" parTransId="{23C9A7B3-9CA6-4A1C-A9B3-CFE31AC1B149}" sibTransId="{0051E711-F9ED-4A40-A2FA-825ECAA8EB82}"/>
-    <dgm:cxn modelId="{E9967136-5B72-4614-8BC2-334C7B0C3E16}" type="presOf" srcId="{71531C65-C5E0-48DF-BEF6-EA62F9C98426}" destId="{40EDC88F-8E3B-401F-8318-3C4D8B7CF1B0}" srcOrd="0" destOrd="0" presId="urn:microsoft.com/office/officeart/2005/8/layout/process4"/>
     <dgm:cxn modelId="{E1A2413B-63C4-4C32-B5F9-0554CC0507B2}" type="presOf" srcId="{06D4AFDF-E3F2-4EE9-A721-F19EE3C33C65}" destId="{63838447-2CD6-46BB-B81F-F445CDC36DC2}" srcOrd="0" destOrd="0" presId="urn:microsoft.com/office/officeart/2005/8/layout/process4"/>
-    <dgm:cxn modelId="{B4AEB655-CF64-4D18-845F-1D4F4CA36CE9}" type="presOf" srcId="{4E0E9A3A-20D7-4684-B140-95AD8A2631EE}" destId="{9B1E7DD0-8524-4A6E-A676-DC9ACB601078}" srcOrd="0" destOrd="0" presId="urn:microsoft.com/office/officeart/2005/8/layout/process4"/>
     <dgm:cxn modelId="{F359C955-F44E-459E-A538-56C5ECE0E366}" type="presOf" srcId="{EC45CE07-94EE-427C-AEDF-43934349AE4D}" destId="{A040333B-0ED8-47A8-8E62-359DB5A0C7DF}" srcOrd="0" destOrd="0" presId="urn:microsoft.com/office/officeart/2005/8/layout/process4"/>
     <dgm:cxn modelId="{BB6519AF-DCBC-4459-AFB1-DB9ED73F176E}" srcId="{75B91FDF-2EF8-448F-993E-0324AE846C4C}" destId="{06D4AFDF-E3F2-4EE9-A721-F19EE3C33C65}" srcOrd="2" destOrd="0" parTransId="{EA1501EA-8759-4A22-92DE-CF3BE51E7F08}" sibTransId="{CCF40F6D-088C-4769-9E29-E873C65CC6AA}"/>
     <dgm:cxn modelId="{B15142B8-91F9-4ECE-9007-0C7F9365D972}" srcId="{75B91FDF-2EF8-448F-993E-0324AE846C4C}" destId="{2B583821-2DAB-45E1-8CC9-C23927358406}" srcOrd="1" destOrd="0" parTransId="{5626BD83-B1C4-4686-8D8C-A9D318C33E52}" sibTransId="{07B41038-F26F-41FC-AD3E-640A97FF8E85}"/>
@@ -4539,26 +4491,24 @@
     <dgm:cxn modelId="{2E5B03EA-7154-47EC-8EC8-B5341297A8A1}" type="presOf" srcId="{48382C32-CDCB-4037-8C0E-4369EDFB170F}" destId="{34AD3F79-365D-4852-A67F-67B76E61899F}" srcOrd="0" destOrd="0" presId="urn:microsoft.com/office/officeart/2005/8/layout/process4"/>
     <dgm:cxn modelId="{2BAD73F9-55C2-47FE-AEAD-333E89D43EAF}" type="presOf" srcId="{310C9FD7-AEBF-4C26-87C9-C064723621B0}" destId="{6D16D2F6-12B8-4C15-A147-798F73273CC1}" srcOrd="0" destOrd="0" presId="urn:microsoft.com/office/officeart/2005/8/layout/process4"/>
     <dgm:cxn modelId="{4EED1AFC-67E5-4B91-9843-BD29F3CC2099}" type="presOf" srcId="{75B91FDF-2EF8-448F-993E-0324AE846C4C}" destId="{A9FD18F4-B15D-462A-8B1C-56D60AFB20C5}" srcOrd="0" destOrd="0" presId="urn:microsoft.com/office/officeart/2005/8/layout/process4"/>
+    <dgm:cxn modelId="{49980DFD-766B-4A59-86A3-A96A1ADECB94}" type="presOf" srcId="{4E0E9A3A-20D7-4684-B140-95AD8A2631EE}" destId="{EA9F5DC6-01F1-42B4-A5A0-284058E7AA1C}" srcOrd="0" destOrd="0" presId="urn:microsoft.com/office/officeart/2005/8/layout/process4"/>
     <dgm:cxn modelId="{B04F00FE-C51D-4BB6-B997-A1A36245357C}" srcId="{75B91FDF-2EF8-448F-993E-0324AE846C4C}" destId="{48382C32-CDCB-4037-8C0E-4369EDFB170F}" srcOrd="4" destOrd="0" parTransId="{5DE933C9-9FC7-4845-9AEB-B7AF956859E6}" sibTransId="{B3BE652F-0718-439A-9FCC-9A5F265E2ADC}"/>
-    <dgm:cxn modelId="{E9FF4708-41B0-4D1E-9BE0-BB7C8D4E84F5}" type="presParOf" srcId="{A9FD18F4-B15D-462A-8B1C-56D60AFB20C5}" destId="{C6ACA489-9263-41BD-96BE-4732FA77F799}" srcOrd="0" destOrd="0" presId="urn:microsoft.com/office/officeart/2005/8/layout/process4"/>
-    <dgm:cxn modelId="{9436DCB6-D61C-4D77-A75A-A4E1D3E3E12B}" type="presParOf" srcId="{C6ACA489-9263-41BD-96BE-4732FA77F799}" destId="{40EDC88F-8E3B-401F-8318-3C4D8B7CF1B0}" srcOrd="0" destOrd="0" presId="urn:microsoft.com/office/officeart/2005/8/layout/process4"/>
-    <dgm:cxn modelId="{8A44944B-D351-4901-B60A-A6ACDA84F00B}" type="presParOf" srcId="{A9FD18F4-B15D-462A-8B1C-56D60AFB20C5}" destId="{4BCD879A-791A-4997-A7E4-5D9D65BA6936}" srcOrd="1" destOrd="0" presId="urn:microsoft.com/office/officeart/2005/8/layout/process4"/>
-    <dgm:cxn modelId="{6C33AA0F-E0BF-4B1B-9F4B-AF6864D708C8}" type="presParOf" srcId="{A9FD18F4-B15D-462A-8B1C-56D60AFB20C5}" destId="{E2833753-E8D7-4CB2-80E6-0AB3758D2B2B}" srcOrd="2" destOrd="0" presId="urn:microsoft.com/office/officeart/2005/8/layout/process4"/>
-    <dgm:cxn modelId="{633923EA-69A0-43AE-9C39-5D568880A5AA}" type="presParOf" srcId="{E2833753-E8D7-4CB2-80E6-0AB3758D2B2B}" destId="{9B1E7DD0-8524-4A6E-A676-DC9ACB601078}" srcOrd="0" destOrd="0" presId="urn:microsoft.com/office/officeart/2005/8/layout/process4"/>
-    <dgm:cxn modelId="{C78C3DD1-7C0C-4CAB-B087-20062A84ECEA}" type="presParOf" srcId="{A9FD18F4-B15D-462A-8B1C-56D60AFB20C5}" destId="{A1E86BE6-E64B-49A4-A7A2-85836265BDF0}" srcOrd="3" destOrd="0" presId="urn:microsoft.com/office/officeart/2005/8/layout/process4"/>
-    <dgm:cxn modelId="{32A3315E-16A1-4476-98FF-CBD82BC36782}" type="presParOf" srcId="{A9FD18F4-B15D-462A-8B1C-56D60AFB20C5}" destId="{8277AB0D-346C-45FA-8E81-FF5048E702CC}" srcOrd="4" destOrd="0" presId="urn:microsoft.com/office/officeart/2005/8/layout/process4"/>
+    <dgm:cxn modelId="{B805BB61-927A-4403-806F-666226EB23BF}" type="presParOf" srcId="{A9FD18F4-B15D-462A-8B1C-56D60AFB20C5}" destId="{FDFD95FA-15B8-4D33-8479-0872DC0A4178}" srcOrd="0" destOrd="0" presId="urn:microsoft.com/office/officeart/2005/8/layout/process4"/>
+    <dgm:cxn modelId="{0B7DD276-0C14-47CC-9BA0-1129A4A15617}" type="presParOf" srcId="{FDFD95FA-15B8-4D33-8479-0872DC0A4178}" destId="{EA9F5DC6-01F1-42B4-A5A0-284058E7AA1C}" srcOrd="0" destOrd="0" presId="urn:microsoft.com/office/officeart/2005/8/layout/process4"/>
+    <dgm:cxn modelId="{C78C3DD1-7C0C-4CAB-B087-20062A84ECEA}" type="presParOf" srcId="{A9FD18F4-B15D-462A-8B1C-56D60AFB20C5}" destId="{A1E86BE6-E64B-49A4-A7A2-85836265BDF0}" srcOrd="1" destOrd="0" presId="urn:microsoft.com/office/officeart/2005/8/layout/process4"/>
+    <dgm:cxn modelId="{32A3315E-16A1-4476-98FF-CBD82BC36782}" type="presParOf" srcId="{A9FD18F4-B15D-462A-8B1C-56D60AFB20C5}" destId="{8277AB0D-346C-45FA-8E81-FF5048E702CC}" srcOrd="2" destOrd="0" presId="urn:microsoft.com/office/officeart/2005/8/layout/process4"/>
     <dgm:cxn modelId="{0A6D2665-0719-4131-A81D-FA337E285950}" type="presParOf" srcId="{8277AB0D-346C-45FA-8E81-FF5048E702CC}" destId="{34AD3F79-365D-4852-A67F-67B76E61899F}" srcOrd="0" destOrd="0" presId="urn:microsoft.com/office/officeart/2005/8/layout/process4"/>
-    <dgm:cxn modelId="{A24E1D2F-78F3-498C-A1D4-9C44C66D8B06}" type="presParOf" srcId="{A9FD18F4-B15D-462A-8B1C-56D60AFB20C5}" destId="{49F21591-E11D-4D2A-B9CB-73F70F0B4EC2}" srcOrd="5" destOrd="0" presId="urn:microsoft.com/office/officeart/2005/8/layout/process4"/>
-    <dgm:cxn modelId="{1580E798-AC74-4CBC-8BC2-65F6E5C573DE}" type="presParOf" srcId="{A9FD18F4-B15D-462A-8B1C-56D60AFB20C5}" destId="{ECF74BD6-FD13-460D-AF90-79B9F59A4486}" srcOrd="6" destOrd="0" presId="urn:microsoft.com/office/officeart/2005/8/layout/process4"/>
+    <dgm:cxn modelId="{A24E1D2F-78F3-498C-A1D4-9C44C66D8B06}" type="presParOf" srcId="{A9FD18F4-B15D-462A-8B1C-56D60AFB20C5}" destId="{49F21591-E11D-4D2A-B9CB-73F70F0B4EC2}" srcOrd="3" destOrd="0" presId="urn:microsoft.com/office/officeart/2005/8/layout/process4"/>
+    <dgm:cxn modelId="{1580E798-AC74-4CBC-8BC2-65F6E5C573DE}" type="presParOf" srcId="{A9FD18F4-B15D-462A-8B1C-56D60AFB20C5}" destId="{ECF74BD6-FD13-460D-AF90-79B9F59A4486}" srcOrd="4" destOrd="0" presId="urn:microsoft.com/office/officeart/2005/8/layout/process4"/>
     <dgm:cxn modelId="{8CFD1D09-3193-478A-8E93-54F341B5971B}" type="presParOf" srcId="{ECF74BD6-FD13-460D-AF90-79B9F59A4486}" destId="{6D16D2F6-12B8-4C15-A147-798F73273CC1}" srcOrd="0" destOrd="0" presId="urn:microsoft.com/office/officeart/2005/8/layout/process4"/>
-    <dgm:cxn modelId="{8691A020-B562-4031-A39B-18235258787C}" type="presParOf" srcId="{A9FD18F4-B15D-462A-8B1C-56D60AFB20C5}" destId="{B48B23FA-9D00-4565-AA36-8B033551C849}" srcOrd="7" destOrd="0" presId="urn:microsoft.com/office/officeart/2005/8/layout/process4"/>
-    <dgm:cxn modelId="{C48DD8B8-3CF1-421D-9175-21D7F31D9132}" type="presParOf" srcId="{A9FD18F4-B15D-462A-8B1C-56D60AFB20C5}" destId="{9F42E072-71CA-4B20-98D1-6174E816FED1}" srcOrd="8" destOrd="0" presId="urn:microsoft.com/office/officeart/2005/8/layout/process4"/>
+    <dgm:cxn modelId="{8691A020-B562-4031-A39B-18235258787C}" type="presParOf" srcId="{A9FD18F4-B15D-462A-8B1C-56D60AFB20C5}" destId="{B48B23FA-9D00-4565-AA36-8B033551C849}" srcOrd="5" destOrd="0" presId="urn:microsoft.com/office/officeart/2005/8/layout/process4"/>
+    <dgm:cxn modelId="{C48DD8B8-3CF1-421D-9175-21D7F31D9132}" type="presParOf" srcId="{A9FD18F4-B15D-462A-8B1C-56D60AFB20C5}" destId="{9F42E072-71CA-4B20-98D1-6174E816FED1}" srcOrd="6" destOrd="0" presId="urn:microsoft.com/office/officeart/2005/8/layout/process4"/>
     <dgm:cxn modelId="{B5A0C3DC-19B8-4C5F-A9B4-94CDAD4F7E1C}" type="presParOf" srcId="{9F42E072-71CA-4B20-98D1-6174E816FED1}" destId="{63838447-2CD6-46BB-B81F-F445CDC36DC2}" srcOrd="0" destOrd="0" presId="urn:microsoft.com/office/officeart/2005/8/layout/process4"/>
-    <dgm:cxn modelId="{CDFF48AF-7C61-41B9-AC15-F70B15D36016}" type="presParOf" srcId="{A9FD18F4-B15D-462A-8B1C-56D60AFB20C5}" destId="{7C7740A3-1FDA-4BEE-B22D-1356F645BB7E}" srcOrd="9" destOrd="0" presId="urn:microsoft.com/office/officeart/2005/8/layout/process4"/>
-    <dgm:cxn modelId="{487DE1FA-E3C9-46B7-80E3-773B81A7A60F}" type="presParOf" srcId="{A9FD18F4-B15D-462A-8B1C-56D60AFB20C5}" destId="{D3407B79-46F4-40F8-90F3-87F3E8368697}" srcOrd="10" destOrd="0" presId="urn:microsoft.com/office/officeart/2005/8/layout/process4"/>
+    <dgm:cxn modelId="{CDFF48AF-7C61-41B9-AC15-F70B15D36016}" type="presParOf" srcId="{A9FD18F4-B15D-462A-8B1C-56D60AFB20C5}" destId="{7C7740A3-1FDA-4BEE-B22D-1356F645BB7E}" srcOrd="7" destOrd="0" presId="urn:microsoft.com/office/officeart/2005/8/layout/process4"/>
+    <dgm:cxn modelId="{487DE1FA-E3C9-46B7-80E3-773B81A7A60F}" type="presParOf" srcId="{A9FD18F4-B15D-462A-8B1C-56D60AFB20C5}" destId="{D3407B79-46F4-40F8-90F3-87F3E8368697}" srcOrd="8" destOrd="0" presId="urn:microsoft.com/office/officeart/2005/8/layout/process4"/>
     <dgm:cxn modelId="{EC40D254-38B6-46C8-8700-DD3CB664AD47}" type="presParOf" srcId="{D3407B79-46F4-40F8-90F3-87F3E8368697}" destId="{BFEC6255-2F1C-45DE-9986-73BCD974598D}" srcOrd="0" destOrd="0" presId="urn:microsoft.com/office/officeart/2005/8/layout/process4"/>
-    <dgm:cxn modelId="{28BD9311-E4C6-4E47-AECA-85BEC051F806}" type="presParOf" srcId="{A9FD18F4-B15D-462A-8B1C-56D60AFB20C5}" destId="{2CE240E6-04D0-4723-A86A-3F93A6F95DF9}" srcOrd="11" destOrd="0" presId="urn:microsoft.com/office/officeart/2005/8/layout/process4"/>
-    <dgm:cxn modelId="{B248D449-F475-4F26-8040-AB4789F6B885}" type="presParOf" srcId="{A9FD18F4-B15D-462A-8B1C-56D60AFB20C5}" destId="{A2AD058E-7612-40F4-90D7-E2E5327A30EB}" srcOrd="12" destOrd="0" presId="urn:microsoft.com/office/officeart/2005/8/layout/process4"/>
+    <dgm:cxn modelId="{28BD9311-E4C6-4E47-AECA-85BEC051F806}" type="presParOf" srcId="{A9FD18F4-B15D-462A-8B1C-56D60AFB20C5}" destId="{2CE240E6-04D0-4723-A86A-3F93A6F95DF9}" srcOrd="9" destOrd="0" presId="urn:microsoft.com/office/officeart/2005/8/layout/process4"/>
+    <dgm:cxn modelId="{B248D449-F475-4F26-8040-AB4789F6B885}" type="presParOf" srcId="{A9FD18F4-B15D-462A-8B1C-56D60AFB20C5}" destId="{A2AD058E-7612-40F4-90D7-E2E5327A30EB}" srcOrd="10" destOrd="0" presId="urn:microsoft.com/office/officeart/2005/8/layout/process4"/>
     <dgm:cxn modelId="{5B8A338A-A4A3-4C8C-9FF2-8184EE3FBD67}" type="presParOf" srcId="{A2AD058E-7612-40F4-90D7-E2E5327A30EB}" destId="{A040333B-0ED8-47A8-8E62-359DB5A0C7DF}" srcOrd="0" destOrd="0" presId="urn:microsoft.com/office/officeart/2005/8/layout/process4"/>
   </dgm:cxnLst>
   <dgm:bg/>
@@ -5802,8 +5752,8 @@
       </dsp:nvSpPr>
       <dsp:spPr>
         <a:xfrm>
-          <a:off x="5162" y="101606"/>
-          <a:ext cx="3784400" cy="1296000"/>
+          <a:off x="5162" y="30731"/>
+          <a:ext cx="3784400" cy="1350000"/>
         </a:xfrm>
         <a:prstGeom prst="chevron">
           <a:avLst/>
@@ -5872,12 +5822,12 @@
         </a:fontRef>
       </dsp:style>
       <dsp:txBody>
-        <a:bodyPr spcFirstLastPara="0" vert="horz" wrap="square" lIns="96012" tIns="32004" rIns="32004" bIns="32004" numCol="1" spcCol="1270" anchor="ctr" anchorCtr="0">
+        <a:bodyPr spcFirstLastPara="0" vert="horz" wrap="square" lIns="100013" tIns="33338" rIns="33338" bIns="33338" numCol="1" spcCol="1270" anchor="ctr" anchorCtr="0">
           <a:noAutofit/>
         </a:bodyPr>
         <a:lstStyle/>
         <a:p>
-          <a:pPr marL="0" lvl="0" indent="0" algn="ctr" defTabSz="1066800">
+          <a:pPr marL="0" lvl="0" indent="0" algn="ctr" defTabSz="1111250">
             <a:lnSpc>
               <a:spcPct val="90000"/>
             </a:lnSpc>
@@ -5890,14 +5840,14 @@
             <a:buNone/>
           </a:pPr>
           <a:r>
-            <a:rPr lang="en-US" sz="2400" kern="1200"/>
+            <a:rPr lang="en-US" sz="2500" kern="1200"/>
             <a:t>Discover</a:t>
           </a:r>
         </a:p>
       </dsp:txBody>
       <dsp:txXfrm>
-        <a:off x="653162" y="101606"/>
-        <a:ext cx="2488400" cy="1296000"/>
+        <a:off x="680162" y="30731"/>
+        <a:ext cx="2434400" cy="1350000"/>
       </dsp:txXfrm>
     </dsp:sp>
     <dsp:sp modelId="{4483E5D8-1855-403A-91A5-643C87974F4D}">
@@ -5907,8 +5857,8 @@
       </dsp:nvSpPr>
       <dsp:spPr>
         <a:xfrm>
-          <a:off x="5162" y="1559606"/>
-          <a:ext cx="3027520" cy="1944000"/>
+          <a:off x="5162" y="1549481"/>
+          <a:ext cx="3027520" cy="2025000"/>
         </a:xfrm>
         <a:prstGeom prst="rect">
           <a:avLst/>
@@ -5937,7 +5887,7 @@
         </a:bodyPr>
         <a:lstStyle/>
         <a:p>
-          <a:pPr marL="228600" lvl="1" indent="-228600" algn="l" defTabSz="1066800">
+          <a:pPr marL="228600" lvl="1" indent="-228600" algn="l" defTabSz="1111250">
             <a:lnSpc>
               <a:spcPct val="90000"/>
             </a:lnSpc>
@@ -5950,14 +5900,14 @@
             <a:buChar char="•"/>
           </a:pPr>
           <a:r>
-            <a:rPr lang="en-US" sz="2400" kern="1200"/>
-            <a:t>Discover Wakanda -&gt; find organizations that are owned/operated by Black people to support their cause</a:t>
+            <a:rPr lang="en-US" sz="2500" kern="1200" dirty="0"/>
+            <a:t>Discover Wakanda: find organizations that are owned/operated by Black people to support their cause</a:t>
           </a:r>
         </a:p>
       </dsp:txBody>
       <dsp:txXfrm>
-        <a:off x="5162" y="1559606"/>
-        <a:ext cx="3027520" cy="1944000"/>
+        <a:off x="5162" y="1549481"/>
+        <a:ext cx="3027520" cy="2025000"/>
       </dsp:txXfrm>
     </dsp:sp>
     <dsp:sp modelId="{2F2F4556-24FD-4C67-81F8-E48EB6790AFF}">
@@ -5967,8 +5917,8 @@
       </dsp:nvSpPr>
       <dsp:spPr>
         <a:xfrm>
-          <a:off x="3573562" y="101606"/>
-          <a:ext cx="3784400" cy="1296000"/>
+          <a:off x="3573562" y="30731"/>
+          <a:ext cx="3784400" cy="1350000"/>
         </a:xfrm>
         <a:prstGeom prst="chevron">
           <a:avLst/>
@@ -6037,12 +5987,12 @@
         </a:fontRef>
       </dsp:style>
       <dsp:txBody>
-        <a:bodyPr spcFirstLastPara="0" vert="horz" wrap="square" lIns="96012" tIns="32004" rIns="32004" bIns="32004" numCol="1" spcCol="1270" anchor="ctr" anchorCtr="0">
+        <a:bodyPr spcFirstLastPara="0" vert="horz" wrap="square" lIns="100013" tIns="33338" rIns="33338" bIns="33338" numCol="1" spcCol="1270" anchor="ctr" anchorCtr="0">
           <a:noAutofit/>
         </a:bodyPr>
         <a:lstStyle/>
         <a:p>
-          <a:pPr marL="0" lvl="0" indent="0" algn="ctr" defTabSz="1066800">
+          <a:pPr marL="0" lvl="0" indent="0" algn="ctr" defTabSz="1111250">
             <a:lnSpc>
               <a:spcPct val="90000"/>
             </a:lnSpc>
@@ -6055,14 +6005,14 @@
             <a:buNone/>
           </a:pPr>
           <a:r>
-            <a:rPr lang="en-US" sz="2400" kern="1200"/>
+            <a:rPr lang="en-US" sz="2500" kern="1200"/>
             <a:t>Provide</a:t>
           </a:r>
         </a:p>
       </dsp:txBody>
       <dsp:txXfrm>
-        <a:off x="4221562" y="101606"/>
-        <a:ext cx="2488400" cy="1296000"/>
+        <a:off x="4248562" y="30731"/>
+        <a:ext cx="2434400" cy="1350000"/>
       </dsp:txXfrm>
     </dsp:sp>
     <dsp:sp modelId="{001E48BF-B7DD-42B6-B970-8E1CD2E83551}">
@@ -6072,8 +6022,8 @@
       </dsp:nvSpPr>
       <dsp:spPr>
         <a:xfrm>
-          <a:off x="3573562" y="1559606"/>
-          <a:ext cx="3027520" cy="1944000"/>
+          <a:off x="3573562" y="1549481"/>
+          <a:ext cx="3027520" cy="2025000"/>
         </a:xfrm>
         <a:prstGeom prst="rect">
           <a:avLst/>
@@ -6102,7 +6052,7 @@
         </a:bodyPr>
         <a:lstStyle/>
         <a:p>
-          <a:pPr marL="228600" lvl="1" indent="-228600" algn="l" defTabSz="1066800">
+          <a:pPr marL="228600" lvl="1" indent="-228600" algn="l" defTabSz="1111250">
             <a:lnSpc>
               <a:spcPct val="90000"/>
             </a:lnSpc>
@@ -6115,14 +6065,14 @@
             <a:buChar char="•"/>
           </a:pPr>
           <a:r>
-            <a:rPr lang="en-US" sz="2400" kern="1200"/>
+            <a:rPr lang="en-US" sz="2500" kern="1200"/>
             <a:t>Provide an easy to use platform for consumers to find those amazing Black-owned businesses </a:t>
           </a:r>
         </a:p>
       </dsp:txBody>
       <dsp:txXfrm>
-        <a:off x="3573562" y="1559606"/>
-        <a:ext cx="3027520" cy="1944000"/>
+        <a:off x="3573562" y="1549481"/>
+        <a:ext cx="3027520" cy="2025000"/>
       </dsp:txXfrm>
     </dsp:sp>
     <dsp:sp modelId="{FD32E5EC-6F04-40BB-933A-01885E261465}">
@@ -6132,8 +6082,8 @@
       </dsp:nvSpPr>
       <dsp:spPr>
         <a:xfrm>
-          <a:off x="7141962" y="101606"/>
-          <a:ext cx="3784400" cy="1296000"/>
+          <a:off x="7141962" y="30731"/>
+          <a:ext cx="3784400" cy="1350000"/>
         </a:xfrm>
         <a:prstGeom prst="chevron">
           <a:avLst/>
@@ -6202,12 +6152,12 @@
         </a:fontRef>
       </dsp:style>
       <dsp:txBody>
-        <a:bodyPr spcFirstLastPara="0" vert="horz" wrap="square" lIns="96012" tIns="32004" rIns="32004" bIns="32004" numCol="1" spcCol="1270" anchor="ctr" anchorCtr="0">
+        <a:bodyPr spcFirstLastPara="0" vert="horz" wrap="square" lIns="100013" tIns="33338" rIns="33338" bIns="33338" numCol="1" spcCol="1270" anchor="ctr" anchorCtr="0">
           <a:noAutofit/>
         </a:bodyPr>
         <a:lstStyle/>
         <a:p>
-          <a:pPr marL="0" lvl="0" indent="0" algn="ctr" defTabSz="1066800">
+          <a:pPr marL="0" lvl="0" indent="0" algn="ctr" defTabSz="1111250">
             <a:lnSpc>
               <a:spcPct val="90000"/>
             </a:lnSpc>
@@ -6220,14 +6170,14 @@
             <a:buNone/>
           </a:pPr>
           <a:r>
-            <a:rPr lang="en-US" sz="2400" kern="1200"/>
+            <a:rPr lang="en-US" sz="2500" kern="1200"/>
             <a:t>Provide</a:t>
           </a:r>
         </a:p>
       </dsp:txBody>
       <dsp:txXfrm>
-        <a:off x="7789962" y="101606"/>
-        <a:ext cx="2488400" cy="1296000"/>
+        <a:off x="7816962" y="30731"/>
+        <a:ext cx="2434400" cy="1350000"/>
       </dsp:txXfrm>
     </dsp:sp>
     <dsp:sp modelId="{DDB5BC04-FBAF-4029-8DA5-3FF16F8B36D4}">
@@ -6237,8 +6187,8 @@
       </dsp:nvSpPr>
       <dsp:spPr>
         <a:xfrm>
-          <a:off x="7141962" y="1559606"/>
-          <a:ext cx="3027520" cy="1944000"/>
+          <a:off x="7141962" y="1549481"/>
+          <a:ext cx="3027520" cy="2025000"/>
         </a:xfrm>
         <a:prstGeom prst="rect">
           <a:avLst/>
@@ -6267,7 +6217,7 @@
         </a:bodyPr>
         <a:lstStyle/>
         <a:p>
-          <a:pPr marL="228600" lvl="1" indent="-228600" algn="l" defTabSz="1066800">
+          <a:pPr marL="228600" lvl="1" indent="-228600" algn="l" defTabSz="1111250">
             <a:lnSpc>
               <a:spcPct val="90000"/>
             </a:lnSpc>
@@ -6280,14 +6230,14 @@
             <a:buChar char="•"/>
           </a:pPr>
           <a:r>
-            <a:rPr lang="en-US" sz="2400" kern="1200"/>
+            <a:rPr lang="en-US" sz="2500" kern="1200"/>
             <a:t>Provide Business owners with a platform to reach new customers &amp; track performance</a:t>
           </a:r>
         </a:p>
       </dsp:txBody>
       <dsp:txXfrm>
-        <a:off x="7141962" y="1559606"/>
-        <a:ext cx="3027520" cy="1944000"/>
+        <a:off x="7141962" y="1549481"/>
+        <a:ext cx="3027520" cy="2025000"/>
       </dsp:txXfrm>
     </dsp:sp>
   </dsp:spTree>
@@ -6302,15 +6252,15 @@
       <dsp:cNvGrpSpPr/>
     </dsp:nvGrpSpPr>
     <dsp:grpSpPr/>
-    <dsp:sp modelId="{40EDC88F-8E3B-401F-8318-3C4D8B7CF1B0}">
+    <dsp:sp modelId="{EA9F5DC6-01F1-42B4-A5A0-284058E7AA1C}">
       <dsp:nvSpPr>
         <dsp:cNvPr id="0" name=""/>
         <dsp:cNvSpPr/>
       </dsp:nvSpPr>
       <dsp:spPr>
         <a:xfrm>
-          <a:off x="0" y="3243788"/>
-          <a:ext cx="10830641" cy="354965"/>
+          <a:off x="0" y="3179812"/>
+          <a:ext cx="10830641" cy="417348"/>
         </a:xfrm>
         <a:prstGeom prst="rect">
           <a:avLst/>
@@ -6351,12 +6301,12 @@
         </a:fontRef>
       </dsp:style>
       <dsp:txBody>
-        <a:bodyPr spcFirstLastPara="0" vert="horz" wrap="square" lIns="85344" tIns="85344" rIns="85344" bIns="85344" numCol="1" spcCol="1270" anchor="ctr" anchorCtr="0">
+        <a:bodyPr spcFirstLastPara="0" vert="horz" wrap="square" lIns="106680" tIns="106680" rIns="106680" bIns="106680" numCol="1" spcCol="1270" anchor="ctr" anchorCtr="0">
           <a:noAutofit/>
         </a:bodyPr>
         <a:lstStyle/>
         <a:p>
-          <a:pPr marL="0" lvl="0" indent="0" algn="ctr" defTabSz="533400">
+          <a:pPr marL="0" lvl="0" indent="0" algn="ctr" defTabSz="666750">
             <a:lnSpc>
               <a:spcPct val="90000"/>
             </a:lnSpc>
@@ -6368,23 +6318,26 @@
             </a:spcAft>
             <a:buNone/>
           </a:pPr>
-          <a:endParaRPr lang="en-US" sz="1200" kern="1200"/>
+          <a:r>
+            <a:rPr lang="en-US" sz="1500" kern="1200" dirty="0"/>
+            <a:t>Tracking User Data (Favorite Activities &amp; Businesses)</a:t>
+          </a:r>
         </a:p>
       </dsp:txBody>
       <dsp:txXfrm>
-        <a:off x="0" y="3243788"/>
-        <a:ext cx="10830641" cy="354965"/>
+        <a:off x="0" y="3179812"/>
+        <a:ext cx="10830641" cy="417348"/>
       </dsp:txXfrm>
     </dsp:sp>
-    <dsp:sp modelId="{9B1E7DD0-8524-4A6E-A676-DC9ACB601078}">
+    <dsp:sp modelId="{34AD3F79-365D-4852-A67F-67B76E61899F}">
       <dsp:nvSpPr>
         <dsp:cNvPr id="0" name=""/>
         <dsp:cNvSpPr/>
       </dsp:nvSpPr>
       <dsp:spPr>
         <a:xfrm rot="10800000">
-          <a:off x="0" y="2703174"/>
-          <a:ext cx="10830641" cy="545937"/>
+          <a:off x="0" y="2544190"/>
+          <a:ext cx="10830641" cy="641882"/>
         </a:xfrm>
         <a:prstGeom prst="upArrowCallout">
           <a:avLst/>
@@ -6425,12 +6378,12 @@
         </a:fontRef>
       </dsp:style>
       <dsp:txBody>
-        <a:bodyPr spcFirstLastPara="0" vert="horz" wrap="square" lIns="85344" tIns="85344" rIns="85344" bIns="85344" numCol="1" spcCol="1270" anchor="ctr" anchorCtr="0">
+        <a:bodyPr spcFirstLastPara="0" vert="horz" wrap="square" lIns="106680" tIns="106680" rIns="106680" bIns="106680" numCol="1" spcCol="1270" anchor="ctr" anchorCtr="0">
           <a:noAutofit/>
         </a:bodyPr>
         <a:lstStyle/>
         <a:p>
-          <a:pPr marL="0" lvl="0" indent="0" algn="ctr" defTabSz="533400">
+          <a:pPr marL="0" lvl="0" indent="0" algn="ctr" defTabSz="666750">
             <a:lnSpc>
               <a:spcPct val="90000"/>
             </a:lnSpc>
@@ -6443,25 +6396,25 @@
             <a:buNone/>
           </a:pPr>
           <a:r>
-            <a:rPr lang="en-US" sz="1200" kern="1200"/>
-            <a:t>Tracking User Data (Favorite Activities &amp; Businesses)</a:t>
+            <a:rPr lang="en-US" sz="1500" kern="1200" dirty="0"/>
+            <a:t>Info section about business owner and business history</a:t>
           </a:r>
         </a:p>
       </dsp:txBody>
       <dsp:txXfrm rot="10800000">
-        <a:off x="0" y="2703174"/>
-        <a:ext cx="10830641" cy="354733"/>
+        <a:off x="0" y="2544190"/>
+        <a:ext cx="10830641" cy="417076"/>
       </dsp:txXfrm>
     </dsp:sp>
-    <dsp:sp modelId="{34AD3F79-365D-4852-A67F-67B76E61899F}">
+    <dsp:sp modelId="{6D16D2F6-12B8-4C15-A147-798F73273CC1}">
       <dsp:nvSpPr>
         <dsp:cNvPr id="0" name=""/>
         <dsp:cNvSpPr/>
       </dsp:nvSpPr>
       <dsp:spPr>
         <a:xfrm rot="10800000">
-          <a:off x="0" y="2162561"/>
-          <a:ext cx="10830641" cy="545937"/>
+          <a:off x="0" y="1908568"/>
+          <a:ext cx="10830641" cy="641882"/>
         </a:xfrm>
         <a:prstGeom prst="upArrowCallout">
           <a:avLst/>
@@ -6502,12 +6455,12 @@
         </a:fontRef>
       </dsp:style>
       <dsp:txBody>
-        <a:bodyPr spcFirstLastPara="0" vert="horz" wrap="square" lIns="85344" tIns="85344" rIns="85344" bIns="85344" numCol="1" spcCol="1270" anchor="ctr" anchorCtr="0">
+        <a:bodyPr spcFirstLastPara="0" vert="horz" wrap="square" lIns="106680" tIns="106680" rIns="106680" bIns="106680" numCol="1" spcCol="1270" anchor="ctr" anchorCtr="0">
           <a:noAutofit/>
         </a:bodyPr>
         <a:lstStyle/>
         <a:p>
-          <a:pPr marL="0" lvl="0" indent="0" algn="ctr" defTabSz="533400">
+          <a:pPr marL="0" lvl="0" indent="0" algn="ctr" defTabSz="666750">
             <a:lnSpc>
               <a:spcPct val="90000"/>
             </a:lnSpc>
@@ -6520,25 +6473,25 @@
             <a:buNone/>
           </a:pPr>
           <a:r>
-            <a:rPr lang="en-US" sz="1200" kern="1200"/>
-            <a:t>Info section about business owner and business history</a:t>
+            <a:rPr lang="en-US" sz="1500" kern="1200" dirty="0"/>
+            <a:t>Create new Business listings on the Platform</a:t>
           </a:r>
         </a:p>
       </dsp:txBody>
       <dsp:txXfrm rot="10800000">
-        <a:off x="0" y="2162561"/>
-        <a:ext cx="10830641" cy="354733"/>
+        <a:off x="0" y="1908568"/>
+        <a:ext cx="10830641" cy="417076"/>
       </dsp:txXfrm>
     </dsp:sp>
-    <dsp:sp modelId="{6D16D2F6-12B8-4C15-A147-798F73273CC1}">
+    <dsp:sp modelId="{63838447-2CD6-46BB-B81F-F445CDC36DC2}">
       <dsp:nvSpPr>
         <dsp:cNvPr id="0" name=""/>
         <dsp:cNvSpPr/>
       </dsp:nvSpPr>
       <dsp:spPr>
         <a:xfrm rot="10800000">
-          <a:off x="0" y="1621948"/>
-          <a:ext cx="10830641" cy="545937"/>
+          <a:off x="0" y="1272946"/>
+          <a:ext cx="10830641" cy="641882"/>
         </a:xfrm>
         <a:prstGeom prst="upArrowCallout">
           <a:avLst/>
@@ -6579,12 +6532,12 @@
         </a:fontRef>
       </dsp:style>
       <dsp:txBody>
-        <a:bodyPr spcFirstLastPara="0" vert="horz" wrap="square" lIns="85344" tIns="85344" rIns="85344" bIns="85344" numCol="1" spcCol="1270" anchor="ctr" anchorCtr="0">
+        <a:bodyPr spcFirstLastPara="0" vert="horz" wrap="square" lIns="106680" tIns="106680" rIns="106680" bIns="106680" numCol="1" spcCol="1270" anchor="ctr" anchorCtr="0">
           <a:noAutofit/>
         </a:bodyPr>
         <a:lstStyle/>
         <a:p>
-          <a:pPr marL="0" lvl="0" indent="0" algn="ctr" defTabSz="533400">
+          <a:pPr marL="0" lvl="0" indent="0" algn="ctr" defTabSz="666750">
             <a:lnSpc>
               <a:spcPct val="90000"/>
             </a:lnSpc>
@@ -6597,25 +6550,25 @@
             <a:buNone/>
           </a:pPr>
           <a:r>
-            <a:rPr lang="en-US" sz="1200" kern="1200"/>
-            <a:t>Create new Business listings on the Platform</a:t>
+            <a:rPr lang="en-US" sz="1500" kern="1200" dirty="0"/>
+            <a:t>Paid Ad placements</a:t>
           </a:r>
         </a:p>
       </dsp:txBody>
       <dsp:txXfrm rot="10800000">
-        <a:off x="0" y="1621948"/>
-        <a:ext cx="10830641" cy="354733"/>
+        <a:off x="0" y="1272946"/>
+        <a:ext cx="10830641" cy="417076"/>
       </dsp:txXfrm>
     </dsp:sp>
-    <dsp:sp modelId="{63838447-2CD6-46BB-B81F-F445CDC36DC2}">
+    <dsp:sp modelId="{BFEC6255-2F1C-45DE-9986-73BCD974598D}">
       <dsp:nvSpPr>
         <dsp:cNvPr id="0" name=""/>
         <dsp:cNvSpPr/>
       </dsp:nvSpPr>
       <dsp:spPr>
         <a:xfrm rot="10800000">
-          <a:off x="0" y="1081335"/>
-          <a:ext cx="10830641" cy="545937"/>
+          <a:off x="0" y="637324"/>
+          <a:ext cx="10830641" cy="641882"/>
         </a:xfrm>
         <a:prstGeom prst="upArrowCallout">
           <a:avLst/>
@@ -6656,12 +6609,12 @@
         </a:fontRef>
       </dsp:style>
       <dsp:txBody>
-        <a:bodyPr spcFirstLastPara="0" vert="horz" wrap="square" lIns="85344" tIns="85344" rIns="85344" bIns="85344" numCol="1" spcCol="1270" anchor="ctr" anchorCtr="0">
+        <a:bodyPr spcFirstLastPara="0" vert="horz" wrap="square" lIns="106680" tIns="106680" rIns="106680" bIns="106680" numCol="1" spcCol="1270" anchor="ctr" anchorCtr="0">
           <a:noAutofit/>
         </a:bodyPr>
         <a:lstStyle/>
         <a:p>
-          <a:pPr marL="0" lvl="0" indent="0" algn="ctr" defTabSz="533400">
+          <a:pPr marL="0" lvl="0" indent="0" algn="ctr" defTabSz="666750">
             <a:lnSpc>
               <a:spcPct val="90000"/>
             </a:lnSpc>
@@ -6674,25 +6627,25 @@
             <a:buNone/>
           </a:pPr>
           <a:r>
-            <a:rPr lang="en-US" sz="1200" kern="1200"/>
-            <a:t>Paid Ad placements</a:t>
+            <a:rPr lang="en-US" sz="1500" kern="1200" dirty="0"/>
+            <a:t>Tracking Business page traffic</a:t>
           </a:r>
         </a:p>
       </dsp:txBody>
       <dsp:txXfrm rot="10800000">
-        <a:off x="0" y="1081335"/>
-        <a:ext cx="10830641" cy="354733"/>
+        <a:off x="0" y="637324"/>
+        <a:ext cx="10830641" cy="417076"/>
       </dsp:txXfrm>
     </dsp:sp>
-    <dsp:sp modelId="{BFEC6255-2F1C-45DE-9986-73BCD974598D}">
+    <dsp:sp modelId="{A040333B-0ED8-47A8-8E62-359DB5A0C7DF}">
       <dsp:nvSpPr>
         <dsp:cNvPr id="0" name=""/>
         <dsp:cNvSpPr/>
       </dsp:nvSpPr>
       <dsp:spPr>
         <a:xfrm rot="10800000">
-          <a:off x="0" y="540722"/>
-          <a:ext cx="10830641" cy="545937"/>
+          <a:off x="0" y="1702"/>
+          <a:ext cx="10830641" cy="641882"/>
         </a:xfrm>
         <a:prstGeom prst="upArrowCallout">
           <a:avLst/>
@@ -6733,12 +6686,12 @@
         </a:fontRef>
       </dsp:style>
       <dsp:txBody>
-        <a:bodyPr spcFirstLastPara="0" vert="horz" wrap="square" lIns="85344" tIns="85344" rIns="85344" bIns="85344" numCol="1" spcCol="1270" anchor="ctr" anchorCtr="0">
+        <a:bodyPr spcFirstLastPara="0" vert="horz" wrap="square" lIns="106680" tIns="106680" rIns="106680" bIns="106680" numCol="1" spcCol="1270" anchor="ctr" anchorCtr="0">
           <a:noAutofit/>
         </a:bodyPr>
         <a:lstStyle/>
         <a:p>
-          <a:pPr marL="0" lvl="0" indent="0" algn="ctr" defTabSz="533400">
+          <a:pPr marL="0" lvl="0" indent="0" algn="ctr" defTabSz="666750">
             <a:lnSpc>
               <a:spcPct val="90000"/>
             </a:lnSpc>
@@ -6751,91 +6704,14 @@
             <a:buNone/>
           </a:pPr>
           <a:r>
-            <a:rPr lang="en-US" sz="1200" kern="1200"/>
-            <a:t>Tracking Business page traffic</a:t>
-          </a:r>
-        </a:p>
-      </dsp:txBody>
-      <dsp:txXfrm rot="10800000">
-        <a:off x="0" y="540722"/>
-        <a:ext cx="10830641" cy="354733"/>
-      </dsp:txXfrm>
-    </dsp:sp>
-    <dsp:sp modelId="{A040333B-0ED8-47A8-8E62-359DB5A0C7DF}">
-      <dsp:nvSpPr>
-        <dsp:cNvPr id="0" name=""/>
-        <dsp:cNvSpPr/>
-      </dsp:nvSpPr>
-      <dsp:spPr>
-        <a:xfrm rot="10800000">
-          <a:off x="0" y="108"/>
-          <a:ext cx="10830641" cy="545937"/>
-        </a:xfrm>
-        <a:prstGeom prst="upArrowCallout">
-          <a:avLst/>
-        </a:prstGeom>
-        <a:solidFill>
-          <a:schemeClr val="accent1">
-            <a:hueOff val="0"/>
-            <a:satOff val="0"/>
-            <a:lumOff val="0"/>
-            <a:alphaOff val="0"/>
-          </a:schemeClr>
-        </a:solidFill>
-        <a:ln w="12700" cap="flat" cmpd="sng" algn="ctr">
-          <a:solidFill>
-            <a:schemeClr val="lt1">
-              <a:hueOff val="0"/>
-              <a:satOff val="0"/>
-              <a:lumOff val="0"/>
-              <a:alphaOff val="0"/>
-            </a:schemeClr>
-          </a:solidFill>
-          <a:prstDash val="solid"/>
-        </a:ln>
-        <a:effectLst/>
-      </dsp:spPr>
-      <dsp:style>
-        <a:lnRef idx="2">
-          <a:scrgbClr r="0" g="0" b="0"/>
-        </a:lnRef>
-        <a:fillRef idx="1">
-          <a:scrgbClr r="0" g="0" b="0"/>
-        </a:fillRef>
-        <a:effectRef idx="0">
-          <a:scrgbClr r="0" g="0" b="0"/>
-        </a:effectRef>
-        <a:fontRef idx="minor">
-          <a:schemeClr val="lt1"/>
-        </a:fontRef>
-      </dsp:style>
-      <dsp:txBody>
-        <a:bodyPr spcFirstLastPara="0" vert="horz" wrap="square" lIns="85344" tIns="85344" rIns="85344" bIns="85344" numCol="1" spcCol="1270" anchor="ctr" anchorCtr="0">
-          <a:noAutofit/>
-        </a:bodyPr>
-        <a:lstStyle/>
-        <a:p>
-          <a:pPr marL="0" lvl="0" indent="0" algn="ctr" defTabSz="533400">
-            <a:lnSpc>
-              <a:spcPct val="90000"/>
-            </a:lnSpc>
-            <a:spcBef>
-              <a:spcPct val="0"/>
-            </a:spcBef>
-            <a:spcAft>
-              <a:spcPct val="35000"/>
-            </a:spcAft>
-            <a:buNone/>
-          </a:pPr>
-          <a:r>
-            <a:rPr lang="en-US" sz="1200" kern="1200"/>
+            <a:rPr lang="en-US" sz="1500" kern="1200" dirty="0"/>
             <a:t>Full Rating System</a:t>
           </a:r>
         </a:p>
       </dsp:txBody>
       <dsp:txXfrm rot="10800000">
-        <a:off x="0" y="108"/>
-        <a:ext cx="10830641" cy="354733"/>
+        <a:off x="0" y="1702"/>
+        <a:ext cx="10830641" cy="417076"/>
       </dsp:txXfrm>
     </dsp:sp>
   </dsp:spTree>
@@ -20211,12 +20087,8 @@
           </a:p>
           <a:p>
             <a:r>
-              <a:rPr lang="en-US" sz="3200" dirty="0" err="1"/>
-              <a:t>Lawers</a:t>
-            </a:r>
-            <a:r>
               <a:rPr lang="en-US" sz="3200" dirty="0"/>
-              <a:t> for Patenting</a:t>
+              <a:t>Lawyers for Patenting</a:t>
             </a:r>
           </a:p>
           <a:p>
@@ -20586,22 +20458,14 @@
           </a:p>
           <a:p>
             <a:r>
-              <a:rPr lang="en-US" sz="3200" dirty="0" err="1"/>
-              <a:t>Premiun</a:t>
-            </a:r>
-            <a:r>
               <a:rPr lang="en-US" sz="3200" dirty="0"/>
-              <a:t> Business Accounts</a:t>
+              <a:t>Premium Business Accounts</a:t>
             </a:r>
           </a:p>
           <a:p>
             <a:r>
-              <a:rPr lang="en-US" sz="3200" dirty="0" err="1"/>
-              <a:t>Premiun</a:t>
-            </a:r>
-            <a:r>
               <a:rPr lang="en-US" sz="3200" dirty="0"/>
-              <a:t> User Accounts</a:t>
+              <a:t>Premium User Accounts</a:t>
             </a:r>
           </a:p>
           <a:p>
@@ -20703,8 +20567,8 @@
         </p:nvSpPr>
         <p:spPr>
           <a:xfrm>
-            <a:off x="3188042" y="3112986"/>
-            <a:ext cx="6400800" cy="3200400"/>
+            <a:off x="3188042" y="2574436"/>
+            <a:ext cx="6400800" cy="4094661"/>
           </a:xfrm>
           <a:prstGeom prst="rect">
             <a:avLst/>
@@ -20741,14 +20605,15 @@
           <a:lstStyle/>
           <a:p>
             <a:pPr algn="ctr"/>
-            <a:endParaRPr lang="en-US" sz="1000" dirty="0"/>
+            <a:endParaRPr lang="en-US" sz="1000"/>
           </a:p>
           <a:p>
             <a:pPr algn="ctr"/>
             <a:r>
-              <a:rPr lang="en-US" sz="3200" dirty="0"/>
+              <a:rPr lang="en-US" sz="3200"/>
               <a:t>Azure Cloud</a:t>
             </a:r>
+            <a:endParaRPr lang="en-US" sz="3200" dirty="0"/>
           </a:p>
         </p:txBody>
       </p:sp>
@@ -20766,7 +20631,7 @@
         </p:nvSpPr>
         <p:spPr>
           <a:xfrm>
-            <a:off x="3645242" y="3952784"/>
+            <a:off x="3645242" y="3359950"/>
             <a:ext cx="5486400" cy="914400"/>
           </a:xfrm>
           <a:prstGeom prst="rect">
@@ -20816,7 +20681,7 @@
         </p:nvSpPr>
         <p:spPr>
           <a:xfrm>
-            <a:off x="3188042" y="1823992"/>
+            <a:off x="3188042" y="1493963"/>
             <a:ext cx="6400800" cy="914400"/>
           </a:xfrm>
           <a:prstGeom prst="rect">
@@ -20884,7 +20749,7 @@
         </p:nvSpPr>
         <p:spPr>
           <a:xfrm>
-            <a:off x="3645242" y="5059863"/>
+            <a:off x="3645242" y="4469636"/>
             <a:ext cx="5486400" cy="914400"/>
           </a:xfrm>
           <a:prstGeom prst="rect">
@@ -20953,6 +20818,55 @@
           </a:prstGeom>
         </p:spPr>
       </p:pic>
+      <p:sp>
+        <p:nvSpPr>
+          <p:cNvPr id="8" name="Rectangle 7">
+            <a:extLst>
+              <a:ext uri="{FF2B5EF4-FFF2-40B4-BE49-F238E27FC236}">
+                <a16:creationId xmlns:a16="http://schemas.microsoft.com/office/drawing/2014/main" id="{0BC19A45-0EE4-446D-8D1B-6F7DACE65B73}"/>
+              </a:ext>
+            </a:extLst>
+          </p:cNvPr>
+          <p:cNvSpPr/>
+          <p:nvPr/>
+        </p:nvSpPr>
+        <p:spPr>
+          <a:xfrm>
+            <a:off x="3606913" y="5569366"/>
+            <a:ext cx="5486400" cy="914400"/>
+          </a:xfrm>
+          <a:prstGeom prst="rect">
+            <a:avLst/>
+          </a:prstGeom>
+        </p:spPr>
+        <p:style>
+          <a:lnRef idx="2">
+            <a:schemeClr val="accent1">
+              <a:shade val="50000"/>
+            </a:schemeClr>
+          </a:lnRef>
+          <a:fillRef idx="1">
+            <a:schemeClr val="accent1"/>
+          </a:fillRef>
+          <a:effectRef idx="0">
+            <a:schemeClr val="accent1"/>
+          </a:effectRef>
+          <a:fontRef idx="minor">
+            <a:schemeClr val="lt1"/>
+          </a:fontRef>
+        </p:style>
+        <p:txBody>
+          <a:bodyPr rtlCol="0" anchor="ctr"/>
+          <a:lstStyle/>
+          <a:p>
+            <a:pPr algn="ctr"/>
+            <a:r>
+              <a:rPr lang="en-US" sz="3200" dirty="0"/>
+              <a:t>Linux Server </a:t>
+            </a:r>
+          </a:p>
+        </p:txBody>
+      </p:sp>
     </p:spTree>
     <p:extLst>
       <p:ext uri="{BB962C8B-B14F-4D97-AF65-F5344CB8AC3E}">
@@ -21240,7 +21154,7 @@
           <p:nvPr>
             <p:extLst>
               <p:ext uri="{D42A27DB-BD31-4B8C-83A1-F6EECF244321}">
-                <p14:modId xmlns:p14="http://schemas.microsoft.com/office/powerpoint/2010/main" val="3273864259"/>
+                <p14:modId xmlns:p14="http://schemas.microsoft.com/office/powerpoint/2010/main" val="1671141328"/>
               </p:ext>
             </p:extLst>
           </p:nvPr>
@@ -22951,7 +22865,7 @@
             <p:ph idx="1"/>
             <p:extLst>
               <p:ext uri="{D42A27DB-BD31-4B8C-83A1-F6EECF244321}">
-                <p14:modId xmlns:p14="http://schemas.microsoft.com/office/powerpoint/2010/main" val="2824329575"/>
+                <p14:modId xmlns:p14="http://schemas.microsoft.com/office/powerpoint/2010/main" val="281722736"/>
               </p:ext>
             </p:extLst>
           </p:nvPr>
@@ -23149,7 +23063,7 @@
           <a:p>
             <a:r>
               <a:rPr lang="en-US" sz="4800" dirty="0"/>
-              <a:t>Audience</a:t>
+              <a:t>AUDIENCE</a:t>
             </a:r>
           </a:p>
         </p:txBody>
@@ -23655,7 +23569,7 @@
           <a:p>
             <a:r>
               <a:rPr lang="en-US" sz="4800" dirty="0"/>
-              <a:t>Activities</a:t>
+              <a:t>ACTIVITIES</a:t>
             </a:r>
           </a:p>
         </p:txBody>
@@ -24172,7 +24086,7 @@
           <a:p>
             <a:r>
               <a:rPr lang="en-US" sz="4800" dirty="0"/>
-              <a:t>Partners</a:t>
+              <a:t>PARTNERS</a:t>
             </a:r>
           </a:p>
         </p:txBody>
@@ -24584,17 +24498,13 @@
           <a:p>
             <a:r>
               <a:rPr lang="en-US" sz="3200" dirty="0"/>
-              <a:t>Multi-sided Relationship</a:t>
+              <a:t>Multi-sided</a:t>
             </a:r>
           </a:p>
           <a:p>
-            <a:pPr marL="0" indent="0">
-              <a:buFont typeface="Arial"/>
-              <a:buNone/>
-            </a:pPr>
             <a:r>
               <a:rPr lang="en-US" sz="3200" dirty="0"/>
-              <a:t> </a:t>
+              <a:t>Engagement through premium accounts</a:t>
             </a:r>
           </a:p>
         </p:txBody>
